--- a/Презентация.pptx
+++ b/Презентация.pptx
@@ -195,7 +195,7 @@
           <a:p>
             <a:fld id="{D7AD124E-0149-440D-B7A9-1D5FDACA276F}" type="datetimeFigureOut">
               <a:rPr lang="ru-RU" smtClean="0"/>
-              <a:t>21.01.2020</a:t>
+              <a:t>23.01.2020</a:t>
             </a:fld>
             <a:endParaRPr lang="ru-RU"/>
           </a:p>
@@ -652,7 +652,7 @@
           <a:p>
             <a:fld id="{8CCFA53F-C2A5-46E3-9C18-087F6E97AABB}" type="datetimeFigureOut">
               <a:rPr lang="ru-RU" smtClean="0"/>
-              <a:t>21.01.2020</a:t>
+              <a:t>23.01.2020</a:t>
             </a:fld>
             <a:endParaRPr lang="ru-RU"/>
           </a:p>
@@ -1088,7 +1088,7 @@
           <a:p>
             <a:fld id="{8CCFA53F-C2A5-46E3-9C18-087F6E97AABB}" type="datetimeFigureOut">
               <a:rPr lang="ru-RU" smtClean="0"/>
-              <a:t>21.01.2020</a:t>
+              <a:t>23.01.2020</a:t>
             </a:fld>
             <a:endParaRPr lang="ru-RU"/>
           </a:p>
@@ -1336,7 +1336,7 @@
           <a:p>
             <a:fld id="{8CCFA53F-C2A5-46E3-9C18-087F6E97AABB}" type="datetimeFigureOut">
               <a:rPr lang="ru-RU" smtClean="0"/>
-              <a:t>21.01.2020</a:t>
+              <a:t>23.01.2020</a:t>
             </a:fld>
             <a:endParaRPr lang="ru-RU"/>
           </a:p>
@@ -1642,7 +1642,7 @@
           <a:p>
             <a:fld id="{8CCFA53F-C2A5-46E3-9C18-087F6E97AABB}" type="datetimeFigureOut">
               <a:rPr lang="ru-RU" smtClean="0"/>
-              <a:t>21.01.2020</a:t>
+              <a:t>23.01.2020</a:t>
             </a:fld>
             <a:endParaRPr lang="ru-RU"/>
           </a:p>
@@ -1958,7 +1958,7 @@
           <a:p>
             <a:fld id="{8CCFA53F-C2A5-46E3-9C18-087F6E97AABB}" type="datetimeFigureOut">
               <a:rPr lang="ru-RU" smtClean="0"/>
-              <a:t>21.01.2020</a:t>
+              <a:t>23.01.2020</a:t>
             </a:fld>
             <a:endParaRPr lang="ru-RU"/>
           </a:p>
@@ -2258,7 +2258,7 @@
           <a:p>
             <a:fld id="{8CCFA53F-C2A5-46E3-9C18-087F6E97AABB}" type="datetimeFigureOut">
               <a:rPr lang="ru-RU" smtClean="0"/>
-              <a:t>21.01.2020</a:t>
+              <a:t>23.01.2020</a:t>
             </a:fld>
             <a:endParaRPr lang="ru-RU"/>
           </a:p>
@@ -2623,7 +2623,7 @@
           <a:p>
             <a:fld id="{8CCFA53F-C2A5-46E3-9C18-087F6E97AABB}" type="datetimeFigureOut">
               <a:rPr lang="ru-RU" smtClean="0"/>
-              <a:t>21.01.2020</a:t>
+              <a:t>23.01.2020</a:t>
             </a:fld>
             <a:endParaRPr lang="ru-RU"/>
           </a:p>
@@ -2797,7 +2797,7 @@
           <a:p>
             <a:fld id="{8CCFA53F-C2A5-46E3-9C18-087F6E97AABB}" type="datetimeFigureOut">
               <a:rPr lang="ru-RU" smtClean="0"/>
-              <a:t>21.01.2020</a:t>
+              <a:t>23.01.2020</a:t>
             </a:fld>
             <a:endParaRPr lang="ru-RU"/>
           </a:p>
@@ -2977,7 +2977,7 @@
           <a:p>
             <a:fld id="{8CCFA53F-C2A5-46E3-9C18-087F6E97AABB}" type="datetimeFigureOut">
               <a:rPr lang="ru-RU" smtClean="0"/>
-              <a:t>21.01.2020</a:t>
+              <a:t>23.01.2020</a:t>
             </a:fld>
             <a:endParaRPr lang="ru-RU"/>
           </a:p>
@@ -3147,7 +3147,7 @@
           <a:p>
             <a:fld id="{8CCFA53F-C2A5-46E3-9C18-087F6E97AABB}" type="datetimeFigureOut">
               <a:rPr lang="ru-RU" smtClean="0"/>
-              <a:t>21.01.2020</a:t>
+              <a:t>23.01.2020</a:t>
             </a:fld>
             <a:endParaRPr lang="ru-RU"/>
           </a:p>
@@ -3395,7 +3395,7 @@
           <a:p>
             <a:fld id="{8CCFA53F-C2A5-46E3-9C18-087F6E97AABB}" type="datetimeFigureOut">
               <a:rPr lang="ru-RU" smtClean="0"/>
-              <a:t>21.01.2020</a:t>
+              <a:t>23.01.2020</a:t>
             </a:fld>
             <a:endParaRPr lang="ru-RU"/>
           </a:p>
@@ -3631,7 +3631,7 @@
           <a:p>
             <a:fld id="{8CCFA53F-C2A5-46E3-9C18-087F6E97AABB}" type="datetimeFigureOut">
               <a:rPr lang="ru-RU" smtClean="0"/>
-              <a:t>21.01.2020</a:t>
+              <a:t>23.01.2020</a:t>
             </a:fld>
             <a:endParaRPr lang="ru-RU"/>
           </a:p>
@@ -4013,7 +4013,7 @@
           <a:p>
             <a:fld id="{8CCFA53F-C2A5-46E3-9C18-087F6E97AABB}" type="datetimeFigureOut">
               <a:rPr lang="ru-RU" smtClean="0"/>
-              <a:t>21.01.2020</a:t>
+              <a:t>23.01.2020</a:t>
             </a:fld>
             <a:endParaRPr lang="ru-RU"/>
           </a:p>
@@ -4131,7 +4131,7 @@
           <a:p>
             <a:fld id="{8CCFA53F-C2A5-46E3-9C18-087F6E97AABB}" type="datetimeFigureOut">
               <a:rPr lang="ru-RU" smtClean="0"/>
-              <a:t>21.01.2020</a:t>
+              <a:t>23.01.2020</a:t>
             </a:fld>
             <a:endParaRPr lang="ru-RU"/>
           </a:p>
@@ -4226,7 +4226,7 @@
           <a:p>
             <a:fld id="{8CCFA53F-C2A5-46E3-9C18-087F6E97AABB}" type="datetimeFigureOut">
               <a:rPr lang="ru-RU" smtClean="0"/>
-              <a:t>21.01.2020</a:t>
+              <a:t>23.01.2020</a:t>
             </a:fld>
             <a:endParaRPr lang="ru-RU"/>
           </a:p>
@@ -4481,7 +4481,7 @@
           <a:p>
             <a:fld id="{8CCFA53F-C2A5-46E3-9C18-087F6E97AABB}" type="datetimeFigureOut">
               <a:rPr lang="ru-RU" smtClean="0"/>
-              <a:t>21.01.2020</a:t>
+              <a:t>23.01.2020</a:t>
             </a:fld>
             <a:endParaRPr lang="ru-RU"/>
           </a:p>
@@ -4764,7 +4764,7 @@
           <a:p>
             <a:fld id="{8CCFA53F-C2A5-46E3-9C18-087F6E97AABB}" type="datetimeFigureOut">
               <a:rPr lang="ru-RU" smtClean="0"/>
-              <a:t>21.01.2020</a:t>
+              <a:t>23.01.2020</a:t>
             </a:fld>
             <a:endParaRPr lang="ru-RU"/>
           </a:p>
@@ -5170,7 +5170,7 @@
           <a:p>
             <a:fld id="{8CCFA53F-C2A5-46E3-9C18-087F6E97AABB}" type="datetimeFigureOut">
               <a:rPr lang="ru-RU" smtClean="0"/>
-              <a:t>21.01.2020</a:t>
+              <a:t>23.01.2020</a:t>
             </a:fld>
             <a:endParaRPr lang="ru-RU"/>
           </a:p>
@@ -5755,6 +5755,13 @@
   <p:clrMapOvr>
     <a:masterClrMapping/>
   </p:clrMapOvr>
+  <p:timing>
+    <p:tnLst>
+      <p:par>
+        <p:cTn id="1" dur="indefinite" restart="never" nodeType="tmRoot"/>
+      </p:par>
+    </p:tnLst>
+  </p:timing>
 </p:sld>
 </file>
 
@@ -5811,7 +5818,11 @@
           <a:p>
             <a:r>
               <a:rPr lang="ru-RU" dirty="0" smtClean="0"/>
-              <a:t>Наша игра создана для развлечения.</a:t>
+              <a:t>Наша игра создана для развлечения</a:t>
+            </a:r>
+            <a:r>
+              <a:rPr lang="ru-RU" dirty="0" smtClean="0"/>
+              <a:t>. А также для траты свободного времени и снятия стресса</a:t>
             </a:r>
             <a:endParaRPr lang="ru-RU" dirty="0"/>
           </a:p>
@@ -5827,6 +5838,13 @@
   <p:clrMapOvr>
     <a:masterClrMapping/>
   </p:clrMapOvr>
+  <p:timing>
+    <p:tnLst>
+      <p:par>
+        <p:cTn id="1" dur="indefinite" restart="never" nodeType="tmRoot"/>
+      </p:par>
+    </p:tnLst>
+  </p:timing>
 </p:sld>
 </file>
 
@@ -6020,7 +6038,6 @@
               <a:rPr lang="ru-RU" dirty="0"/>
               <a:t> начального, конечного экрана, а также экрана паузы и смерти. </a:t>
             </a:r>
-            <a:endParaRPr lang="ru-RU" dirty="0"/>
           </a:p>
         </p:txBody>
       </p:sp>
@@ -6090,7 +6107,19 @@
           <a:p>
             <a:r>
               <a:rPr lang="ru-RU" dirty="0" smtClean="0"/>
-              <a:t>В данной игре можно создать большее количество уровней, монстров разных уровней, настройки игры, и добавить возможность выбрать персонажа</a:t>
+              <a:t>В данной игре можно создать большее количество уровней, монстров разных </a:t>
+            </a:r>
+            <a:r>
+              <a:rPr lang="ru-RU" dirty="0" smtClean="0"/>
+              <a:t>уровней, а также добавить им стрельбу</a:t>
+            </a:r>
+            <a:r>
+              <a:rPr lang="ru-RU" smtClean="0"/>
+              <a:t>, создать настройки </a:t>
+            </a:r>
+            <a:r>
+              <a:rPr lang="ru-RU" dirty="0" smtClean="0"/>
+              <a:t>игры, и добавить возможность выбрать персонажа</a:t>
             </a:r>
             <a:endParaRPr lang="ru-RU" dirty="0"/>
           </a:p>
@@ -6106,6 +6135,13 @@
   <p:clrMapOvr>
     <a:masterClrMapping/>
   </p:clrMapOvr>
+  <p:timing>
+    <p:tnLst>
+      <p:par>
+        <p:cTn id="1" dur="indefinite" restart="never" nodeType="tmRoot"/>
+      </p:par>
+    </p:tnLst>
+  </p:timing>
 </p:sld>
 </file>
 
@@ -6379,7 +6415,7 @@
   <a:extraClrSchemeLst/>
   <a:extLst>
     <a:ext uri="{05A4C25C-085E-4340-85A3-A5531E510DB2}">
-      <thm15:themeFamily xmlns:thm15="http://schemas.microsoft.com/office/thememl/2012/main" name="Slice" id="{0507925B-6AC9-4358-8E18-C330545D08F8}" vid="{2903AAAE-3EA5-424A-B142-CC51DC1F897D}"/>
+      <thm15:themeFamily xmlns:thm15="http://schemas.microsoft.com/office/thememl/2012/main" xmlns="" name="Slice" id="{0507925B-6AC9-4358-8E18-C330545D08F8}" vid="{2903AAAE-3EA5-424A-B142-CC51DC1F897D}"/>
     </a:ext>
   </a:extLst>
 </a:theme>
@@ -6640,7 +6676,7 @@
   <a:extraClrSchemeLst/>
   <a:extLst>
     <a:ext uri="{05A4C25C-085E-4340-85A3-A5531E510DB2}">
-      <thm15:themeFamily xmlns:thm15="http://schemas.microsoft.com/office/thememl/2012/main" name="Office Theme" id="{62F939B6-93AF-4DB8-9C6B-D6C7DFDC589F}" vid="{4A3C46E8-61CC-4603-A589-7422A47A8E4A}"/>
+      <thm15:themeFamily xmlns:thm15="http://schemas.microsoft.com/office/thememl/2012/main" xmlns="" name="Office Theme" id="{62F939B6-93AF-4DB8-9C6B-D6C7DFDC589F}" vid="{4A3C46E8-61CC-4603-A589-7422A47A8E4A}"/>
     </a:ext>
   </a:extLst>
 </a:theme>

--- a/Презентация.pptx
+++ b/Презентация.pptx
@@ -195,7 +195,7 @@
           <a:p>
             <a:fld id="{D7AD124E-0149-440D-B7A9-1D5FDACA276F}" type="datetimeFigureOut">
               <a:rPr lang="ru-RU" smtClean="0"/>
-              <a:t>23.01.2020</a:t>
+              <a:t>24.01.2020</a:t>
             </a:fld>
             <a:endParaRPr lang="ru-RU"/>
           </a:p>
@@ -652,7 +652,7 @@
           <a:p>
             <a:fld id="{8CCFA53F-C2A5-46E3-9C18-087F6E97AABB}" type="datetimeFigureOut">
               <a:rPr lang="ru-RU" smtClean="0"/>
-              <a:t>23.01.2020</a:t>
+              <a:t>24.01.2020</a:t>
             </a:fld>
             <a:endParaRPr lang="ru-RU"/>
           </a:p>
@@ -1088,7 +1088,7 @@
           <a:p>
             <a:fld id="{8CCFA53F-C2A5-46E3-9C18-087F6E97AABB}" type="datetimeFigureOut">
               <a:rPr lang="ru-RU" smtClean="0"/>
-              <a:t>23.01.2020</a:t>
+              <a:t>24.01.2020</a:t>
             </a:fld>
             <a:endParaRPr lang="ru-RU"/>
           </a:p>
@@ -1336,7 +1336,7 @@
           <a:p>
             <a:fld id="{8CCFA53F-C2A5-46E3-9C18-087F6E97AABB}" type="datetimeFigureOut">
               <a:rPr lang="ru-RU" smtClean="0"/>
-              <a:t>23.01.2020</a:t>
+              <a:t>24.01.2020</a:t>
             </a:fld>
             <a:endParaRPr lang="ru-RU"/>
           </a:p>
@@ -1642,7 +1642,7 @@
           <a:p>
             <a:fld id="{8CCFA53F-C2A5-46E3-9C18-087F6E97AABB}" type="datetimeFigureOut">
               <a:rPr lang="ru-RU" smtClean="0"/>
-              <a:t>23.01.2020</a:t>
+              <a:t>24.01.2020</a:t>
             </a:fld>
             <a:endParaRPr lang="ru-RU"/>
           </a:p>
@@ -1958,7 +1958,7 @@
           <a:p>
             <a:fld id="{8CCFA53F-C2A5-46E3-9C18-087F6E97AABB}" type="datetimeFigureOut">
               <a:rPr lang="ru-RU" smtClean="0"/>
-              <a:t>23.01.2020</a:t>
+              <a:t>24.01.2020</a:t>
             </a:fld>
             <a:endParaRPr lang="ru-RU"/>
           </a:p>
@@ -2258,7 +2258,7 @@
           <a:p>
             <a:fld id="{8CCFA53F-C2A5-46E3-9C18-087F6E97AABB}" type="datetimeFigureOut">
               <a:rPr lang="ru-RU" smtClean="0"/>
-              <a:t>23.01.2020</a:t>
+              <a:t>24.01.2020</a:t>
             </a:fld>
             <a:endParaRPr lang="ru-RU"/>
           </a:p>
@@ -2623,7 +2623,7 @@
           <a:p>
             <a:fld id="{8CCFA53F-C2A5-46E3-9C18-087F6E97AABB}" type="datetimeFigureOut">
               <a:rPr lang="ru-RU" smtClean="0"/>
-              <a:t>23.01.2020</a:t>
+              <a:t>24.01.2020</a:t>
             </a:fld>
             <a:endParaRPr lang="ru-RU"/>
           </a:p>
@@ -2797,7 +2797,7 @@
           <a:p>
             <a:fld id="{8CCFA53F-C2A5-46E3-9C18-087F6E97AABB}" type="datetimeFigureOut">
               <a:rPr lang="ru-RU" smtClean="0"/>
-              <a:t>23.01.2020</a:t>
+              <a:t>24.01.2020</a:t>
             </a:fld>
             <a:endParaRPr lang="ru-RU"/>
           </a:p>
@@ -2977,7 +2977,7 @@
           <a:p>
             <a:fld id="{8CCFA53F-C2A5-46E3-9C18-087F6E97AABB}" type="datetimeFigureOut">
               <a:rPr lang="ru-RU" smtClean="0"/>
-              <a:t>23.01.2020</a:t>
+              <a:t>24.01.2020</a:t>
             </a:fld>
             <a:endParaRPr lang="ru-RU"/>
           </a:p>
@@ -3147,7 +3147,7 @@
           <a:p>
             <a:fld id="{8CCFA53F-C2A5-46E3-9C18-087F6E97AABB}" type="datetimeFigureOut">
               <a:rPr lang="ru-RU" smtClean="0"/>
-              <a:t>23.01.2020</a:t>
+              <a:t>24.01.2020</a:t>
             </a:fld>
             <a:endParaRPr lang="ru-RU"/>
           </a:p>
@@ -3395,7 +3395,7 @@
           <a:p>
             <a:fld id="{8CCFA53F-C2A5-46E3-9C18-087F6E97AABB}" type="datetimeFigureOut">
               <a:rPr lang="ru-RU" smtClean="0"/>
-              <a:t>23.01.2020</a:t>
+              <a:t>24.01.2020</a:t>
             </a:fld>
             <a:endParaRPr lang="ru-RU"/>
           </a:p>
@@ -3631,7 +3631,7 @@
           <a:p>
             <a:fld id="{8CCFA53F-C2A5-46E3-9C18-087F6E97AABB}" type="datetimeFigureOut">
               <a:rPr lang="ru-RU" smtClean="0"/>
-              <a:t>23.01.2020</a:t>
+              <a:t>24.01.2020</a:t>
             </a:fld>
             <a:endParaRPr lang="ru-RU"/>
           </a:p>
@@ -4013,7 +4013,7 @@
           <a:p>
             <a:fld id="{8CCFA53F-C2A5-46E3-9C18-087F6E97AABB}" type="datetimeFigureOut">
               <a:rPr lang="ru-RU" smtClean="0"/>
-              <a:t>23.01.2020</a:t>
+              <a:t>24.01.2020</a:t>
             </a:fld>
             <a:endParaRPr lang="ru-RU"/>
           </a:p>
@@ -4131,7 +4131,7 @@
           <a:p>
             <a:fld id="{8CCFA53F-C2A5-46E3-9C18-087F6E97AABB}" type="datetimeFigureOut">
               <a:rPr lang="ru-RU" smtClean="0"/>
-              <a:t>23.01.2020</a:t>
+              <a:t>24.01.2020</a:t>
             </a:fld>
             <a:endParaRPr lang="ru-RU"/>
           </a:p>
@@ -4226,7 +4226,7 @@
           <a:p>
             <a:fld id="{8CCFA53F-C2A5-46E3-9C18-087F6E97AABB}" type="datetimeFigureOut">
               <a:rPr lang="ru-RU" smtClean="0"/>
-              <a:t>23.01.2020</a:t>
+              <a:t>24.01.2020</a:t>
             </a:fld>
             <a:endParaRPr lang="ru-RU"/>
           </a:p>
@@ -4481,7 +4481,7 @@
           <a:p>
             <a:fld id="{8CCFA53F-C2A5-46E3-9C18-087F6E97AABB}" type="datetimeFigureOut">
               <a:rPr lang="ru-RU" smtClean="0"/>
-              <a:t>23.01.2020</a:t>
+              <a:t>24.01.2020</a:t>
             </a:fld>
             <a:endParaRPr lang="ru-RU"/>
           </a:p>
@@ -4764,7 +4764,7 @@
           <a:p>
             <a:fld id="{8CCFA53F-C2A5-46E3-9C18-087F6E97AABB}" type="datetimeFigureOut">
               <a:rPr lang="ru-RU" smtClean="0"/>
-              <a:t>23.01.2020</a:t>
+              <a:t>24.01.2020</a:t>
             </a:fld>
             <a:endParaRPr lang="ru-RU"/>
           </a:p>
@@ -5170,7 +5170,7 @@
           <a:p>
             <a:fld id="{8CCFA53F-C2A5-46E3-9C18-087F6E97AABB}" type="datetimeFigureOut">
               <a:rPr lang="ru-RU" smtClean="0"/>
-              <a:t>23.01.2020</a:t>
+              <a:t>24.01.2020</a:t>
             </a:fld>
             <a:endParaRPr lang="ru-RU"/>
           </a:p>
@@ -5818,11 +5818,7 @@
           <a:p>
             <a:r>
               <a:rPr lang="ru-RU" dirty="0" smtClean="0"/>
-              <a:t>Наша игра создана для развлечения</a:t>
-            </a:r>
-            <a:r>
-              <a:rPr lang="ru-RU" dirty="0" smtClean="0"/>
-              <a:t>. А также для траты свободного времени и снятия стресса</a:t>
+              <a:t>Наша игра создана для развлечения. А также для траты свободного времени и снятия стресса</a:t>
             </a:r>
             <a:endParaRPr lang="ru-RU" dirty="0"/>
           </a:p>
@@ -5878,7 +5874,7 @@
         <p:spPr/>
         <p:txBody>
           <a:bodyPr>
-            <a:normAutofit fontScale="92500"/>
+            <a:normAutofit/>
           </a:bodyPr>
           <a:lstStyle/>
           <a:p>
@@ -5911,12 +5907,12 @@
               <a:t>, классы </a:t>
             </a:r>
             <a:r>
-              <a:rPr lang="en-US" dirty="0"/>
+              <a:rPr lang="en-US" dirty="0" smtClean="0"/>
               <a:t>Tile</a:t>
             </a:r>
             <a:r>
-              <a:rPr lang="ru-RU" dirty="0"/>
-              <a:t>, который отвечает за создание пустых клеток, стен и лестниц, </a:t>
+              <a:rPr lang="ru-RU" dirty="0" smtClean="0"/>
+              <a:t>, </a:t>
             </a:r>
             <a:r>
               <a:rPr lang="en-US" dirty="0"/>
@@ -5924,39 +5920,43 @@
             </a:r>
             <a:r>
               <a:rPr lang="ru-RU" dirty="0"/>
-              <a:t>, который отвечает за персонажа, </a:t>
-            </a:r>
-            <a:r>
-              <a:rPr lang="en-US" dirty="0"/>
+              <a:t>, </a:t>
+            </a:r>
+            <a:r>
+              <a:rPr lang="en-US" dirty="0" smtClean="0"/>
               <a:t>Mob</a:t>
             </a:r>
             <a:r>
               <a:rPr lang="ru-RU" dirty="0"/>
-              <a:t>, который отвечает за противников, </a:t>
-            </a:r>
-            <a:r>
-              <a:rPr lang="en-US" dirty="0"/>
+              <a:t>, </a:t>
+            </a:r>
+            <a:r>
+              <a:rPr lang="en-US" dirty="0" smtClean="0"/>
               <a:t>Bullet</a:t>
             </a:r>
             <a:r>
               <a:rPr lang="ru-RU" dirty="0"/>
-              <a:t>, который отвечает за пулю, </a:t>
-            </a:r>
-            <a:r>
-              <a:rPr lang="en-US" dirty="0"/>
+              <a:t>, </a:t>
+            </a:r>
+            <a:r>
+              <a:rPr lang="en-US" dirty="0" smtClean="0"/>
               <a:t>Flag</a:t>
             </a:r>
             <a:r>
               <a:rPr lang="ru-RU" dirty="0"/>
-              <a:t>, который отвечает за переход между уровнями, </a:t>
-            </a:r>
-            <a:r>
-              <a:rPr lang="en-US" dirty="0" err="1"/>
+              <a:t>, </a:t>
+            </a:r>
+            <a:r>
+              <a:rPr lang="en-US" dirty="0" err="1" smtClean="0"/>
               <a:t>Oflag</a:t>
             </a:r>
             <a:r>
               <a:rPr lang="ru-RU" dirty="0"/>
-              <a:t>, который отвечает за конец игры, функции </a:t>
+              <a:t>, </a:t>
+            </a:r>
+            <a:r>
+              <a:rPr lang="ru-RU" dirty="0" smtClean="0"/>
+              <a:t>функции </a:t>
             </a:r>
             <a:r>
               <a:rPr lang="en-US" dirty="0"/>
@@ -5972,18 +5972,10 @@
             </a:r>
             <a:r>
               <a:rPr lang="ru-RU" dirty="0"/>
-              <a:t>, которая отвечает за создание и </a:t>
-            </a:r>
-            <a:r>
-              <a:rPr lang="ru-RU" dirty="0" err="1"/>
-              <a:t>отрисовку</a:t>
-            </a:r>
-            <a:r>
-              <a:rPr lang="ru-RU" dirty="0"/>
-              <a:t> поля, </a:t>
-            </a:r>
-            <a:r>
-              <a:rPr lang="en-US" dirty="0"/>
+              <a:t>, </a:t>
+            </a:r>
+            <a:r>
+              <a:rPr lang="en-US" dirty="0" smtClean="0"/>
               <a:t>load</a:t>
             </a:r>
             <a:r>
@@ -5996,10 +5988,10 @@
             </a:r>
             <a:r>
               <a:rPr lang="ru-RU" dirty="0"/>
-              <a:t>, которая отвечает за загрузку определенного уровня, а также дополняет его пустыми клетками, </a:t>
-            </a:r>
-            <a:r>
-              <a:rPr lang="en-US" dirty="0"/>
+              <a:t>, </a:t>
+            </a:r>
+            <a:r>
+              <a:rPr lang="en-US" dirty="0" smtClean="0"/>
               <a:t>load</a:t>
             </a:r>
             <a:r>
@@ -6012,32 +6004,29 @@
             </a:r>
             <a:r>
               <a:rPr lang="ru-RU" dirty="0"/>
-              <a:t>, которая отвечает за загрузку и обработку картинки, </a:t>
-            </a:r>
-            <a:r>
-              <a:rPr lang="en-US" dirty="0"/>
+              <a:t>, </a:t>
+            </a:r>
+            <a:r>
+              <a:rPr lang="en-US" dirty="0" smtClean="0"/>
               <a:t>start</a:t>
             </a:r>
             <a:r>
+              <a:rPr lang="ru-RU" dirty="0" smtClean="0"/>
+              <a:t> </a:t>
+            </a:r>
+            <a:r>
               <a:rPr lang="ru-RU" dirty="0"/>
-              <a:t> и тому подобные </a:t>
-            </a:r>
-            <a:r>
-              <a:rPr lang="en-US" dirty="0"/>
+              <a:t>и тому подобные </a:t>
+            </a:r>
+            <a:r>
+              <a:rPr lang="en-US" smtClean="0"/>
               <a:t>screen</a:t>
             </a:r>
             <a:r>
-              <a:rPr lang="ru-RU" dirty="0"/>
-              <a:t>, которая отвечает за </a:t>
-            </a:r>
-            <a:r>
-              <a:rPr lang="ru-RU" dirty="0" err="1"/>
-              <a:t>отрисовку</a:t>
-            </a:r>
-            <a:r>
-              <a:rPr lang="ru-RU" dirty="0"/>
-              <a:t> начального, конечного экрана, а также экрана паузы и смерти. </a:t>
-            </a:r>
+              <a:rPr lang="ru-RU" smtClean="0"/>
+              <a:t>. </a:t>
+            </a:r>
+            <a:endParaRPr lang="ru-RU" dirty="0"/>
           </a:p>
         </p:txBody>
       </p:sp>
@@ -6051,6 +6040,13 @@
   <p:clrMapOvr>
     <a:masterClrMapping/>
   </p:clrMapOvr>
+  <p:timing>
+    <p:tnLst>
+      <p:par>
+        <p:cTn id="1" dur="indefinite" restart="never" nodeType="tmRoot"/>
+      </p:par>
+    </p:tnLst>
+  </p:timing>
 </p:sld>
 </file>
 
@@ -6107,11 +6103,7 @@
           <a:p>
             <a:r>
               <a:rPr lang="ru-RU" dirty="0" smtClean="0"/>
-              <a:t>В данной игре можно создать большее количество уровней, монстров разных </a:t>
-            </a:r>
-            <a:r>
-              <a:rPr lang="ru-RU" dirty="0" smtClean="0"/>
-              <a:t>уровней, а также добавить им стрельбу</a:t>
+              <a:t>В данной игре можно создать большее количество уровней, монстров разных уровней, а также добавить им стрельбу</a:t>
             </a:r>
             <a:r>
               <a:rPr lang="ru-RU" smtClean="0"/>
@@ -6415,7 +6407,7 @@
   <a:extraClrSchemeLst/>
   <a:extLst>
     <a:ext uri="{05A4C25C-085E-4340-85A3-A5531E510DB2}">
-      <thm15:themeFamily xmlns:thm15="http://schemas.microsoft.com/office/thememl/2012/main" xmlns="" name="Slice" id="{0507925B-6AC9-4358-8E18-C330545D08F8}" vid="{2903AAAE-3EA5-424A-B142-CC51DC1F897D}"/>
+      <thm15:themeFamily xmlns="" xmlns:thm15="http://schemas.microsoft.com/office/thememl/2012/main" name="Slice" id="{0507925B-6AC9-4358-8E18-C330545D08F8}" vid="{2903AAAE-3EA5-424A-B142-CC51DC1F897D}"/>
     </a:ext>
   </a:extLst>
 </a:theme>
@@ -6676,7 +6668,7 @@
   <a:extraClrSchemeLst/>
   <a:extLst>
     <a:ext uri="{05A4C25C-085E-4340-85A3-A5531E510DB2}">
-      <thm15:themeFamily xmlns:thm15="http://schemas.microsoft.com/office/thememl/2012/main" xmlns="" name="Office Theme" id="{62F939B6-93AF-4DB8-9C6B-D6C7DFDC589F}" vid="{4A3C46E8-61CC-4603-A589-7422A47A8E4A}"/>
+      <thm15:themeFamily xmlns="" xmlns:thm15="http://schemas.microsoft.com/office/thememl/2012/main" name="Office Theme" id="{62F939B6-93AF-4DB8-9C6B-D6C7DFDC589F}" vid="{4A3C46E8-61CC-4603-A589-7422A47A8E4A}"/>
     </a:ext>
   </a:extLst>
 </a:theme>
